--- a/example/resource/Chipverify_regModel_2_Complete_UVCs_Block_Diagram.pptx
+++ b/example/resource/Chipverify_regModel_2_Complete_UVCs_Block_Diagram.pptx
@@ -104,6 +104,11 @@
       </a:defRPr>
     </a:lvl9pPr>
   </p:defaultTextStyle>
+  <p:extLst>
+    <p:ext uri="{EFAFB233-063F-42B5-8137-9DF3F51BA10A}">
+      <p15:sldGuideLst xmlns:p15="http://schemas.microsoft.com/office/powerpoint/2012/main"/>
+    </p:ext>
+  </p:extLst>
 </p:presentation>
 </file>
 
@@ -3700,8 +3705,8 @@
           <a:p>
             <a:pPr algn="ctr"/>
             <a:r>
-              <a:rPr lang="en-US" altLang="ko-KR" dirty="0"/>
-              <a:t>DUT</a:t>
+              <a:rPr lang="en-US" altLang="ko-KR"/>
+              <a:t>traffic</a:t>
             </a:r>
             <a:endParaRPr lang="ko-KR" altLang="en-US" dirty="0"/>
           </a:p>
@@ -3931,8 +3936,8 @@
           <a:p>
             <a:pPr algn="ctr"/>
             <a:r>
-              <a:rPr lang="en-US" altLang="ko-KR" dirty="0"/>
-              <a:t>Driver</a:t>
+              <a:rPr lang="en-US" altLang="ko-KR" dirty="0" err="1"/>
+              <a:t>my_driver</a:t>
             </a:r>
             <a:endParaRPr lang="ko-KR" altLang="en-US" dirty="0"/>
           </a:p>
@@ -4357,8 +4362,8 @@
           <a:p>
             <a:pPr algn="ctr"/>
             <a:r>
-              <a:rPr lang="en-US" altLang="ko-KR" dirty="0"/>
-              <a:t>Monitor</a:t>
+              <a:rPr lang="en-US" altLang="ko-KR" dirty="0" err="1"/>
+              <a:t>my_monitor</a:t>
             </a:r>
             <a:endParaRPr lang="ko-KR" altLang="en-US" dirty="0"/>
           </a:p>
@@ -4471,8 +4476,8 @@
           <a:p>
             <a:pPr algn="ctr"/>
             <a:r>
-              <a:rPr lang="en-US" altLang="ko-KR" dirty="0"/>
-              <a:t>Sequencer</a:t>
+              <a:rPr lang="en-US" altLang="ko-KR" dirty="0" err="1"/>
+              <a:t>uvm_sequencer</a:t>
             </a:r>
             <a:endParaRPr lang="ko-KR" altLang="en-US" dirty="0"/>
           </a:p>
@@ -4749,6 +4754,11 @@
           <a:solidFill>
             <a:srgbClr val="CCCCFF"/>
           </a:solidFill>
+          <a:ln>
+            <a:solidFill>
+              <a:schemeClr val="tx1"/>
+            </a:solidFill>
+          </a:ln>
         </p:spPr>
         <p:style>
           <a:lnRef idx="1">
@@ -4802,6 +4812,139 @@
               <a:gd name="adj1" fmla="val 20680"/>
               <a:gd name="adj2" fmla="val 124990"/>
             </a:avLst>
+          </a:prstGeom>
+          <a:ln w="28575">
+            <a:solidFill>
+              <a:schemeClr val="tx1"/>
+            </a:solidFill>
+            <a:tailEnd type="triangle"/>
+          </a:ln>
+        </p:spPr>
+        <p:style>
+          <a:lnRef idx="1">
+            <a:schemeClr val="accent1"/>
+          </a:lnRef>
+          <a:fillRef idx="0">
+            <a:schemeClr val="accent1"/>
+          </a:fillRef>
+          <a:effectRef idx="0">
+            <a:schemeClr val="accent1"/>
+          </a:effectRef>
+          <a:fontRef idx="minor">
+            <a:schemeClr val="tx1"/>
+          </a:fontRef>
+        </p:style>
+      </p:cxnSp>
+      <p:cxnSp>
+        <p:nvCxnSpPr>
+          <p:cNvPr id="33" name="직선 화살표 연결선 32">
+            <a:extLst>
+              <a:ext uri="{FF2B5EF4-FFF2-40B4-BE49-F238E27FC236}">
+                <a16:creationId xmlns:a16="http://schemas.microsoft.com/office/drawing/2014/main" id="{00C38752-F10C-4BB5-8060-73BE7BB174FE}"/>
+              </a:ext>
+            </a:extLst>
+          </p:cNvPr>
+          <p:cNvCxnSpPr>
+            <a:cxnSpLocks/>
+          </p:cNvCxnSpPr>
+          <p:nvPr/>
+        </p:nvCxnSpPr>
+        <p:spPr>
+          <a:xfrm>
+            <a:off x="10301092" y="2239338"/>
+            <a:ext cx="494425" cy="0"/>
+          </a:xfrm>
+          <a:prstGeom prst="straightConnector1">
+            <a:avLst/>
+          </a:prstGeom>
+          <a:ln w="28575">
+            <a:solidFill>
+              <a:schemeClr val="tx1"/>
+            </a:solidFill>
+            <a:tailEnd type="triangle"/>
+          </a:ln>
+        </p:spPr>
+        <p:style>
+          <a:lnRef idx="1">
+            <a:schemeClr val="accent1"/>
+          </a:lnRef>
+          <a:fillRef idx="0">
+            <a:schemeClr val="accent1"/>
+          </a:fillRef>
+          <a:effectRef idx="0">
+            <a:schemeClr val="accent1"/>
+          </a:effectRef>
+          <a:fontRef idx="minor">
+            <a:schemeClr val="tx1"/>
+          </a:fontRef>
+        </p:style>
+      </p:cxnSp>
+      <p:cxnSp>
+        <p:nvCxnSpPr>
+          <p:cNvPr id="36" name="직선 화살표 연결선 35">
+            <a:extLst>
+              <a:ext uri="{FF2B5EF4-FFF2-40B4-BE49-F238E27FC236}">
+                <a16:creationId xmlns:a16="http://schemas.microsoft.com/office/drawing/2014/main" id="{62D7BA29-E0C5-420A-B449-59169A05673D}"/>
+              </a:ext>
+            </a:extLst>
+          </p:cNvPr>
+          <p:cNvCxnSpPr>
+            <a:cxnSpLocks/>
+          </p:cNvCxnSpPr>
+          <p:nvPr/>
+        </p:nvCxnSpPr>
+        <p:spPr>
+          <a:xfrm flipH="1">
+            <a:off x="10301092" y="2896227"/>
+            <a:ext cx="476602" cy="0"/>
+          </a:xfrm>
+          <a:prstGeom prst="straightConnector1">
+            <a:avLst/>
+          </a:prstGeom>
+          <a:ln w="28575">
+            <a:solidFill>
+              <a:schemeClr val="tx1"/>
+            </a:solidFill>
+            <a:tailEnd type="triangle"/>
+          </a:ln>
+        </p:spPr>
+        <p:style>
+          <a:lnRef idx="1">
+            <a:schemeClr val="accent1"/>
+          </a:lnRef>
+          <a:fillRef idx="0">
+            <a:schemeClr val="accent1"/>
+          </a:fillRef>
+          <a:effectRef idx="0">
+            <a:schemeClr val="accent1"/>
+          </a:effectRef>
+          <a:fontRef idx="minor">
+            <a:schemeClr val="tx1"/>
+          </a:fontRef>
+        </p:style>
+      </p:cxnSp>
+      <p:cxnSp>
+        <p:nvCxnSpPr>
+          <p:cNvPr id="39" name="직선 화살표 연결선 38">
+            <a:extLst>
+              <a:ext uri="{FF2B5EF4-FFF2-40B4-BE49-F238E27FC236}">
+                <a16:creationId xmlns:a16="http://schemas.microsoft.com/office/drawing/2014/main" id="{4E1DF059-E94D-496E-9921-EE34DE183983}"/>
+              </a:ext>
+            </a:extLst>
+          </p:cNvPr>
+          <p:cNvCxnSpPr>
+            <a:cxnSpLocks/>
+            <a:endCxn id="15" idx="1"/>
+          </p:cNvCxnSpPr>
+          <p:nvPr/>
+        </p:nvCxnSpPr>
+        <p:spPr>
+          <a:xfrm flipV="1">
+            <a:off x="5264182" y="1142020"/>
+            <a:ext cx="825705" cy="656890"/>
+          </a:xfrm>
+          <a:prstGeom prst="straightConnector1">
+            <a:avLst/>
           </a:prstGeom>
           <a:ln w="28575">
             <a:solidFill>
